--- a/unit1/classSlides/Unit 1 - Class 3.pptx
+++ b/unit1/classSlides/Unit 1 - Class 3.pptx
@@ -3641,6 +3641,13 @@
   <p:clrMapOvr>
     <a:masterClrMapping/>
   </p:clrMapOvr>
+  <p:timing>
+    <p:tnLst>
+      <p:par>
+        <p:cTn xmlns:p14="http://schemas.microsoft.com/office/powerpoint/2010/main" id="1" dur="indefinite" restart="never" nodeType="tmRoot"/>
+      </p:par>
+    </p:tnLst>
+  </p:timing>
 </p:sld>
 </file>
 
@@ -3733,6 +3740,13 @@
   <p:clrMapOvr>
     <a:masterClrMapping/>
   </p:clrMapOvr>
+  <p:timing>
+    <p:tnLst>
+      <p:par>
+        <p:cTn xmlns:p14="http://schemas.microsoft.com/office/powerpoint/2010/main" id="1" dur="indefinite" restart="never" nodeType="tmRoot"/>
+      </p:par>
+    </p:tnLst>
+  </p:timing>
 </p:sld>
 </file>
 
@@ -3881,6 +3895,13 @@
   <p:clrMapOvr>
     <a:masterClrMapping/>
   </p:clrMapOvr>
+  <p:timing>
+    <p:tnLst>
+      <p:par>
+        <p:cTn xmlns:p14="http://schemas.microsoft.com/office/powerpoint/2010/main" id="1" dur="indefinite" restart="never" nodeType="tmRoot"/>
+      </p:par>
+    </p:tnLst>
+  </p:timing>
 </p:sld>
 </file>
 
@@ -3971,6 +3992,13 @@
   <p:clrMapOvr>
     <a:masterClrMapping/>
   </p:clrMapOvr>
+  <p:timing>
+    <p:tnLst>
+      <p:par>
+        <p:cTn xmlns:p14="http://schemas.microsoft.com/office/powerpoint/2010/main" id="1" dur="indefinite" restart="never" nodeType="tmRoot"/>
+      </p:par>
+    </p:tnLst>
+  </p:timing>
 </p:sld>
 </file>
 
@@ -4120,6 +4148,13 @@
   <p:clrMapOvr>
     <a:masterClrMapping/>
   </p:clrMapOvr>
+  <p:timing>
+    <p:tnLst>
+      <p:par>
+        <p:cTn xmlns:p14="http://schemas.microsoft.com/office/powerpoint/2010/main" id="1" dur="indefinite" restart="never" nodeType="tmRoot"/>
+      </p:par>
+    </p:tnLst>
+  </p:timing>
 </p:sld>
 </file>
 
@@ -4174,6 +4209,13 @@
   <p:clrMapOvr>
     <a:masterClrMapping/>
   </p:clrMapOvr>
+  <p:timing>
+    <p:tnLst>
+      <p:par>
+        <p:cTn xmlns:p14="http://schemas.microsoft.com/office/powerpoint/2010/main" id="1" dur="indefinite" restart="never" nodeType="tmRoot"/>
+      </p:par>
+    </p:tnLst>
+  </p:timing>
 </p:sld>
 </file>
 
@@ -4228,6 +4270,13 @@
   <p:clrMapOvr>
     <a:masterClrMapping/>
   </p:clrMapOvr>
+  <p:timing>
+    <p:tnLst>
+      <p:par>
+        <p:cTn xmlns:p14="http://schemas.microsoft.com/office/powerpoint/2010/main" id="1" dur="indefinite" restart="never" nodeType="tmRoot"/>
+      </p:par>
+    </p:tnLst>
+  </p:timing>
 </p:sld>
 </file>
 
@@ -4282,6 +4331,13 @@
   <p:clrMapOvr>
     <a:masterClrMapping/>
   </p:clrMapOvr>
+  <p:timing>
+    <p:tnLst>
+      <p:par>
+        <p:cTn xmlns:p14="http://schemas.microsoft.com/office/powerpoint/2010/main" id="1" dur="indefinite" restart="never" nodeType="tmRoot"/>
+      </p:par>
+    </p:tnLst>
+  </p:timing>
 </p:sld>
 </file>
 
@@ -4336,6 +4392,13 @@
   <p:clrMapOvr>
     <a:masterClrMapping/>
   </p:clrMapOvr>
+  <p:timing>
+    <p:tnLst>
+      <p:par>
+        <p:cTn xmlns:p14="http://schemas.microsoft.com/office/powerpoint/2010/main" id="1" dur="indefinite" restart="never" nodeType="tmRoot"/>
+      </p:par>
+    </p:tnLst>
+  </p:timing>
 </p:sld>
 </file>
 
@@ -4390,6 +4453,13 @@
   <p:clrMapOvr>
     <a:masterClrMapping/>
   </p:clrMapOvr>
+  <p:timing>
+    <p:tnLst>
+      <p:par>
+        <p:cTn xmlns:p14="http://schemas.microsoft.com/office/powerpoint/2010/main" id="1" dur="indefinite" restart="never" nodeType="tmRoot"/>
+      </p:par>
+    </p:tnLst>
+  </p:timing>
 </p:sld>
 </file>
 
@@ -4474,6 +4544,13 @@
   <p:clrMapOvr>
     <a:masterClrMapping/>
   </p:clrMapOvr>
+  <p:timing>
+    <p:tnLst>
+      <p:par>
+        <p:cTn xmlns:p14="http://schemas.microsoft.com/office/powerpoint/2010/main" id="1" dur="indefinite" restart="never" nodeType="tmRoot"/>
+      </p:par>
+    </p:tnLst>
+  </p:timing>
 </p:sld>
 </file>
 
@@ -4789,6 +4866,13 @@
   <p:clrMapOvr>
     <a:masterClrMapping/>
   </p:clrMapOvr>
+  <p:timing>
+    <p:tnLst>
+      <p:par>
+        <p:cTn xmlns:p14="http://schemas.microsoft.com/office/powerpoint/2010/main" id="1" dur="indefinite" restart="never" nodeType="tmRoot"/>
+      </p:par>
+    </p:tnLst>
+  </p:timing>
 </p:sld>
 </file>
 
@@ -4843,6 +4927,13 @@
   <p:clrMapOvr>
     <a:masterClrMapping/>
   </p:clrMapOvr>
+  <p:timing>
+    <p:tnLst>
+      <p:par>
+        <p:cTn xmlns:p14="http://schemas.microsoft.com/office/powerpoint/2010/main" id="1" dur="indefinite" restart="never" nodeType="tmRoot"/>
+      </p:par>
+    </p:tnLst>
+  </p:timing>
 </p:sld>
 </file>
 
@@ -4897,6 +4988,13 @@
   <p:clrMapOvr>
     <a:masterClrMapping/>
   </p:clrMapOvr>
+  <p:timing>
+    <p:tnLst>
+      <p:par>
+        <p:cTn xmlns:p14="http://schemas.microsoft.com/office/powerpoint/2010/main" id="1" dur="indefinite" restart="never" nodeType="tmRoot"/>
+      </p:par>
+    </p:tnLst>
+  </p:timing>
 </p:sld>
 </file>
 
@@ -5212,6 +5310,13 @@
   <p:clrMapOvr>
     <a:masterClrMapping/>
   </p:clrMapOvr>
+  <p:timing>
+    <p:tnLst>
+      <p:par>
+        <p:cTn xmlns:p14="http://schemas.microsoft.com/office/powerpoint/2010/main" id="1" dur="indefinite" restart="never" nodeType="tmRoot"/>
+      </p:par>
+    </p:tnLst>
+  </p:timing>
 </p:sld>
 </file>
 
@@ -5318,6 +5423,13 @@
   <p:clrMapOvr>
     <a:masterClrMapping/>
   </p:clrMapOvr>
+  <p:timing>
+    <p:tnLst>
+      <p:par>
+        <p:cTn xmlns:p14="http://schemas.microsoft.com/office/powerpoint/2010/main" id="1" dur="indefinite" restart="never" nodeType="tmRoot"/>
+      </p:par>
+    </p:tnLst>
+  </p:timing>
 </p:sld>
 </file>
 
@@ -5421,6 +5533,13 @@
   <p:clrMapOvr>
     <a:masterClrMapping/>
   </p:clrMapOvr>
+  <p:timing>
+    <p:tnLst>
+      <p:par>
+        <p:cTn xmlns:p14="http://schemas.microsoft.com/office/powerpoint/2010/main" id="1" dur="indefinite" restart="never" nodeType="tmRoot"/>
+      </p:par>
+    </p:tnLst>
+  </p:timing>
 </p:sld>
 </file>
 
@@ -5535,6 +5654,13 @@
   <p:clrMapOvr>
     <a:masterClrMapping/>
   </p:clrMapOvr>
+  <p:timing>
+    <p:tnLst>
+      <p:par>
+        <p:cTn xmlns:p14="http://schemas.microsoft.com/office/powerpoint/2010/main" id="1" dur="indefinite" restart="never" nodeType="tmRoot"/>
+      </p:par>
+    </p:tnLst>
+  </p:timing>
 </p:sld>
 </file>
 
@@ -5627,23 +5753,51 @@
                 <a:latin typeface="Courier New"/>
                 <a:cs typeface="Courier New"/>
               </a:rPr>
-              <a:t>“you are not being redirected to the American School in London website.”</a:t>
+              <a:t>“you are now being redirected to the American School in London website.”</a:t>
             </a:r>
           </a:p>
           <a:p>
             <a:r>
               <a:rPr lang="en-US" dirty="0" smtClean="0"/>
-              <a:t>Pilot 3: Open the ASL website using the correct address (</a:t>
+              <a:t>Pilot 3: Open the ASL website using the correct address </a:t>
             </a:r>
             <a:r>
               <a:rPr lang="en-US" dirty="0" smtClean="0">
+                <a:solidFill>
+                  <a:schemeClr val="accent5">
+                    <a:lumMod val="60000"/>
+                    <a:lumOff val="40000"/>
+                  </a:schemeClr>
+                </a:solidFill>
+              </a:rPr>
+              <a:t>(</a:t>
+            </a:r>
+            <a:r>
+              <a:rPr lang="en-US" dirty="0" smtClean="0">
+                <a:solidFill>
+                  <a:schemeClr val="accent5">
+                    <a:lumMod val="60000"/>
+                    <a:lumOff val="40000"/>
+                  </a:schemeClr>
+                </a:solidFill>
                 <a:hlinkClick r:id="rId2"/>
               </a:rPr>
               <a:t>http://www.asl.org</a:t>
             </a:r>
             <a:r>
+              <a:rPr lang="en-US" dirty="0" smtClean="0">
+                <a:solidFill>
+                  <a:schemeClr val="accent5">
+                    <a:lumMod val="60000"/>
+                    <a:lumOff val="40000"/>
+                  </a:schemeClr>
+                </a:solidFill>
+              </a:rPr>
+              <a:t>)</a:t>
+            </a:r>
+            <a:r>
               <a:rPr lang="en-US" dirty="0" smtClean="0"/>
-              <a:t>) and the code</a:t>
+              <a:t> and the code</a:t>
             </a:r>
           </a:p>
           <a:p>
@@ -5685,6 +5839,13 @@
   <p:clrMapOvr>
     <a:masterClrMapping/>
   </p:clrMapOvr>
+  <p:timing>
+    <p:tnLst>
+      <p:par>
+        <p:cTn xmlns:p14="http://schemas.microsoft.com/office/powerpoint/2010/main" id="1" dur="indefinite" restart="never" nodeType="tmRoot"/>
+      </p:par>
+    </p:tnLst>
+  </p:timing>
 </p:sld>
 </file>
 
@@ -5771,6 +5932,13 @@
   <p:clrMapOvr>
     <a:masterClrMapping/>
   </p:clrMapOvr>
+  <p:timing>
+    <p:tnLst>
+      <p:par>
+        <p:cTn xmlns:p14="http://schemas.microsoft.com/office/powerpoint/2010/main" id="1" dur="indefinite" restart="never" nodeType="tmRoot"/>
+      </p:par>
+    </p:tnLst>
+  </p:timing>
 </p:sld>
 </file>
 
@@ -5834,6 +6002,13 @@
   <p:clrMapOvr>
     <a:masterClrMapping/>
   </p:clrMapOvr>
+  <p:timing>
+    <p:tnLst>
+      <p:par>
+        <p:cTn xmlns:p14="http://schemas.microsoft.com/office/powerpoint/2010/main" id="1" dur="indefinite" restart="never" nodeType="tmRoot"/>
+      </p:par>
+    </p:tnLst>
+  </p:timing>
 </p:sld>
 </file>
 
@@ -5974,6 +6149,13 @@
   <p:clrMapOvr>
     <a:masterClrMapping/>
   </p:clrMapOvr>
+  <p:timing>
+    <p:tnLst>
+      <p:par>
+        <p:cTn xmlns:p14="http://schemas.microsoft.com/office/powerpoint/2010/main" id="1" dur="indefinite" restart="never" nodeType="tmRoot"/>
+      </p:par>
+    </p:tnLst>
+  </p:timing>
 </p:sld>
 </file>
 
